--- a/materials/slides/4.7 渗透测试——Spider.pptx
+++ b/materials/slides/4.7 渗透测试——Spider.pptx
@@ -212,7 +212,7 @@
           <a:p>
             <a:fld id="{EC82124A-F363-4BD3-8BA5-C8EDB8A4673E}" type="datetimeFigureOut">
               <a:rPr lang="zh-CN" altLang="en-US" smtClean="0"/>
-              <a:t>2019/10/15</a:t>
+              <a:t>2019/10/27</a:t>
             </a:fld>
             <a:endParaRPr lang="zh-CN" altLang="en-US"/>
           </a:p>
@@ -975,7 +975,7 @@
           <a:p>
             <a:fld id="{C04CF4A6-17F9-4CD5-BCB8-44B65F331829}" type="datetimeFigureOut">
               <a:rPr lang="zh-CN" altLang="en-US" smtClean="0"/>
-              <a:t>2019/10/15</a:t>
+              <a:t>2019/10/27</a:t>
             </a:fld>
             <a:endParaRPr lang="zh-CN" altLang="en-US"/>
           </a:p>
@@ -1262,7 +1262,7 @@
           <a:p>
             <a:fld id="{C04CF4A6-17F9-4CD5-BCB8-44B65F331829}" type="datetimeFigureOut">
               <a:rPr lang="zh-CN" altLang="en-US" smtClean="0"/>
-              <a:t>2019/10/15</a:t>
+              <a:t>2019/10/27</a:t>
             </a:fld>
             <a:endParaRPr lang="zh-CN" altLang="en-US"/>
           </a:p>
@@ -1427,7 +1427,7 @@
           <a:p>
             <a:fld id="{C04CF4A6-17F9-4CD5-BCB8-44B65F331829}" type="datetimeFigureOut">
               <a:rPr lang="zh-CN" altLang="en-US" smtClean="0"/>
-              <a:t>2019/10/15</a:t>
+              <a:t>2019/10/27</a:t>
             </a:fld>
             <a:endParaRPr lang="zh-CN" altLang="en-US"/>
           </a:p>
@@ -1602,7 +1602,7 @@
           <a:p>
             <a:fld id="{C04CF4A6-17F9-4CD5-BCB8-44B65F331829}" type="datetimeFigureOut">
               <a:rPr lang="zh-CN" altLang="en-US" smtClean="0"/>
-              <a:t>2019/10/15</a:t>
+              <a:t>2019/10/27</a:t>
             </a:fld>
             <a:endParaRPr lang="zh-CN" altLang="en-US"/>
           </a:p>
@@ -1821,7 +1821,7 @@
           <a:p>
             <a:fld id="{C04CF4A6-17F9-4CD5-BCB8-44B65F331829}" type="datetimeFigureOut">
               <a:rPr lang="zh-CN" altLang="en-US" smtClean="0"/>
-              <a:t>2019/10/15</a:t>
+              <a:t>2019/10/27</a:t>
             </a:fld>
             <a:endParaRPr lang="zh-CN" altLang="en-US"/>
           </a:p>
@@ -2113,7 +2113,7 @@
           <a:p>
             <a:fld id="{C04CF4A6-17F9-4CD5-BCB8-44B65F331829}" type="datetimeFigureOut">
               <a:rPr lang="zh-CN" altLang="en-US" smtClean="0"/>
-              <a:t>2019/10/15</a:t>
+              <a:t>2019/10/27</a:t>
             </a:fld>
             <a:endParaRPr lang="zh-CN" altLang="en-US"/>
           </a:p>
@@ -2427,7 +2427,7 @@
           <a:p>
             <a:fld id="{C04CF4A6-17F9-4CD5-BCB8-44B65F331829}" type="datetimeFigureOut">
               <a:rPr lang="zh-CN" altLang="en-US" smtClean="0"/>
-              <a:t>2019/10/15</a:t>
+              <a:t>2019/10/27</a:t>
             </a:fld>
             <a:endParaRPr lang="zh-CN" altLang="en-US"/>
           </a:p>
@@ -2654,7 +2654,7 @@
           <a:p>
             <a:fld id="{C04CF4A6-17F9-4CD5-BCB8-44B65F331829}" type="datetimeFigureOut">
               <a:rPr lang="zh-CN" altLang="en-US" smtClean="0"/>
-              <a:t>2019/10/15</a:t>
+              <a:t>2019/10/27</a:t>
             </a:fld>
             <a:endParaRPr lang="zh-CN" altLang="en-US"/>
           </a:p>
@@ -3016,7 +3016,7 @@
           <a:p>
             <a:fld id="{C04CF4A6-17F9-4CD5-BCB8-44B65F331829}" type="datetimeFigureOut">
               <a:rPr lang="zh-CN" altLang="en-US" smtClean="0"/>
-              <a:t>2019/10/15</a:t>
+              <a:t>2019/10/27</a:t>
             </a:fld>
             <a:endParaRPr lang="zh-CN" altLang="en-US"/>
           </a:p>
@@ -3129,7 +3129,7 @@
           <a:p>
             <a:fld id="{C04CF4A6-17F9-4CD5-BCB8-44B65F331829}" type="datetimeFigureOut">
               <a:rPr lang="zh-CN" altLang="en-US" smtClean="0"/>
-              <a:t>2019/10/15</a:t>
+              <a:t>2019/10/27</a:t>
             </a:fld>
             <a:endParaRPr lang="zh-CN" altLang="en-US"/>
           </a:p>
@@ -3219,7 +3219,7 @@
           <a:p>
             <a:fld id="{C04CF4A6-17F9-4CD5-BCB8-44B65F331829}" type="datetimeFigureOut">
               <a:rPr lang="zh-CN" altLang="en-US" smtClean="0"/>
-              <a:t>2019/10/15</a:t>
+              <a:t>2019/10/27</a:t>
             </a:fld>
             <a:endParaRPr lang="zh-CN" altLang="en-US"/>
           </a:p>
@@ -3491,7 +3491,7 @@
           <a:p>
             <a:fld id="{C04CF4A6-17F9-4CD5-BCB8-44B65F331829}" type="datetimeFigureOut">
               <a:rPr lang="zh-CN" altLang="en-US" smtClean="0"/>
-              <a:t>2019/10/15</a:t>
+              <a:t>2019/10/27</a:t>
             </a:fld>
             <a:endParaRPr lang="zh-CN" altLang="en-US"/>
           </a:p>
@@ -3699,7 +3699,7 @@
           <a:p>
             <a:fld id="{C04CF4A6-17F9-4CD5-BCB8-44B65F331829}" type="datetimeFigureOut">
               <a:rPr lang="zh-CN" altLang="en-US" smtClean="0"/>
-              <a:t>2019/10/15</a:t>
+              <a:t>2019/10/27</a:t>
             </a:fld>
             <a:endParaRPr lang="zh-CN" altLang="en-US"/>
           </a:p>
@@ -4159,11 +4159,11 @@
             <a:pPr algn="r"/>
             <a:r>
               <a:rPr lang="en-US" altLang="zh-CN" dirty="0" smtClean="0"/>
-              <a:t>3.7 Web</a:t>
+              <a:t>4.7 </a:t>
             </a:r>
             <a:r>
               <a:rPr lang="zh-CN" altLang="en-US" dirty="0" smtClean="0"/>
-              <a:t>安全测试</a:t>
+              <a:t>渗透测试</a:t>
             </a:r>
             <a:r>
               <a:rPr lang="en-US" altLang="zh-CN" dirty="0" smtClean="0"/>
